--- a/images/projects/menieres-introduction-v02.pptx
+++ b/images/projects/menieres-introduction-v02.pptx
@@ -8095,10 +8095,10 @@
         </p:nvGrpSpPr>
         <p:grpSpPr>
           <a:xfrm>
-            <a:off x="1596536" y="888626"/>
-            <a:ext cx="6354666" cy="4908516"/>
-            <a:chOff x="1596536" y="888626"/>
-            <a:chExt cx="6354666" cy="4908516"/>
+            <a:off x="1596536" y="950181"/>
+            <a:ext cx="6354666" cy="4846961"/>
+            <a:chOff x="1596536" y="950181"/>
+            <a:chExt cx="6354666" cy="4846961"/>
           </a:xfrm>
         </p:grpSpPr>
         <p:sp>
@@ -8109,8 +8109,8 @@
           </p:nvSpPr>
           <p:spPr>
             <a:xfrm>
-              <a:off x="2668024" y="888626"/>
-              <a:ext cx="3615668" cy="523220"/>
+              <a:off x="2897445" y="950181"/>
+              <a:ext cx="3156826" cy="461665"/>
             </a:xfrm>
             <a:prstGeom prst="rect">
               <a:avLst/>
@@ -8125,7 +8125,7 @@
             <a:p>
               <a:pPr algn="ctr"/>
               <a:r>
-                <a:rPr lang="en-US" sz="2800" b="1" dirty="0" smtClean="0">
+                <a:rPr lang="en-US" sz="2400" b="1" dirty="0" smtClean="0">
                   <a:ln w="12700">
                     <a:noFill/>
                     <a:prstDash val="solid"/>
@@ -8143,7 +8143,7 @@
                 </a:rPr>
                 <a:t>Meniere’s Disease Map</a:t>
               </a:r>
-              <a:endParaRPr lang="en-US" sz="2800" b="1" cap="none" spc="0" dirty="0">
+              <a:endParaRPr lang="en-US" sz="2400" b="1" cap="none" spc="0" dirty="0">
                 <a:ln w="12700">
                   <a:noFill/>
                   <a:prstDash val="solid"/>
